--- a/backend/powerpoint/templates/test_template2.pptx
+++ b/backend/powerpoint/templates/test_template2.pptx
@@ -5,7 +5,7 @@
     <p:sldMasterId id="2147483660" r:id="rId1"/>
   </p:sldMasterIdLst>
   <p:sldIdLst>
-    <p:sldId id="256" r:id="rId2"/>
+    <p:sldId id="257" r:id="rId2"/>
   </p:sldIdLst>
   <p:sldSz cx="12192000" cy="6858000"/>
   <p:notesSz cx="6858000" cy="9144000"/>
@@ -104,6 +104,11 @@
       </a:defRPr>
     </a:lvl9pPr>
   </p:defaultTextStyle>
+  <p:extLst>
+    <p:ext uri="{EFAFB233-063F-42B5-8137-9DF3F51BA10A}">
+      <p15:sldGuideLst xmlns:p15="http://schemas.microsoft.com/office/powerpoint/2012/main"/>
+    </p:ext>
+  </p:extLst>
 </p:presentation>
 </file>
 
@@ -381,7 +386,7 @@
           <a:p>
             <a:fld id="{99A83B17-14C1-41F4-867A-23A379B416F7}" type="datetimeFigureOut">
               <a:rPr lang="en-GB" smtClean="0"/>
-              <a:t>12/02/2025</a:t>
+              <a:t>13/02/2025</a:t>
             </a:fld>
             <a:endParaRPr lang="en-GB"/>
           </a:p>
@@ -795,7 +800,7 @@
           <a:p>
             <a:fld id="{99A83B17-14C1-41F4-867A-23A379B416F7}" type="datetimeFigureOut">
               <a:rPr lang="en-GB" smtClean="0"/>
-              <a:t>12/02/2025</a:t>
+              <a:t>13/02/2025</a:t>
             </a:fld>
             <a:endParaRPr lang="en-GB"/>
           </a:p>
@@ -1131,7 +1136,7 @@
           <a:p>
             <a:fld id="{99A83B17-14C1-41F4-867A-23A379B416F7}" type="datetimeFigureOut">
               <a:rPr lang="en-GB" smtClean="0"/>
-              <a:t>12/02/2025</a:t>
+              <a:t>13/02/2025</a:t>
             </a:fld>
             <a:endParaRPr lang="en-GB"/>
           </a:p>
@@ -1536,7 +1541,7 @@
           <a:p>
             <a:fld id="{99A83B17-14C1-41F4-867A-23A379B416F7}" type="datetimeFigureOut">
               <a:rPr lang="en-GB" smtClean="0"/>
-              <a:t>12/02/2025</a:t>
+              <a:t>13/02/2025</a:t>
             </a:fld>
             <a:endParaRPr lang="en-GB"/>
           </a:p>
@@ -2104,7 +2109,7 @@
           <a:p>
             <a:fld id="{99A83B17-14C1-41F4-867A-23A379B416F7}" type="datetimeFigureOut">
               <a:rPr lang="en-GB" smtClean="0"/>
-              <a:t>12/02/2025</a:t>
+              <a:t>13/02/2025</a:t>
             </a:fld>
             <a:endParaRPr lang="en-GB"/>
           </a:p>
@@ -2785,7 +2790,7 @@
           <a:p>
             <a:fld id="{99A83B17-14C1-41F4-867A-23A379B416F7}" type="datetimeFigureOut">
               <a:rPr lang="en-GB" smtClean="0"/>
-              <a:t>12/02/2025</a:t>
+              <a:t>13/02/2025</a:t>
             </a:fld>
             <a:endParaRPr lang="en-GB"/>
           </a:p>
@@ -3698,7 +3703,7 @@
           <a:p>
             <a:fld id="{99A83B17-14C1-41F4-867A-23A379B416F7}" type="datetimeFigureOut">
               <a:rPr lang="en-GB" smtClean="0"/>
-              <a:t>12/02/2025</a:t>
+              <a:t>13/02/2025</a:t>
             </a:fld>
             <a:endParaRPr lang="en-GB"/>
           </a:p>
@@ -4011,7 +4016,7 @@
           <a:p>
             <a:fld id="{99A83B17-14C1-41F4-867A-23A379B416F7}" type="datetimeFigureOut">
               <a:rPr lang="en-GB" smtClean="0"/>
-              <a:t>12/02/2025</a:t>
+              <a:t>13/02/2025</a:t>
             </a:fld>
             <a:endParaRPr lang="en-GB"/>
           </a:p>
@@ -4275,7 +4280,7 @@
           <a:p>
             <a:fld id="{99A83B17-14C1-41F4-867A-23A379B416F7}" type="datetimeFigureOut">
               <a:rPr lang="en-GB" smtClean="0"/>
-              <a:t>12/02/2025</a:t>
+              <a:t>13/02/2025</a:t>
             </a:fld>
             <a:endParaRPr lang="en-GB"/>
           </a:p>
@@ -4598,7 +4603,7 @@
           <a:p>
             <a:fld id="{99A83B17-14C1-41F4-867A-23A379B416F7}" type="datetimeFigureOut">
               <a:rPr lang="en-GB" smtClean="0"/>
-              <a:t>12/02/2025</a:t>
+              <a:t>13/02/2025</a:t>
             </a:fld>
             <a:endParaRPr lang="en-GB"/>
           </a:p>
@@ -4987,7 +4992,7 @@
           <a:p>
             <a:fld id="{99A83B17-14C1-41F4-867A-23A379B416F7}" type="datetimeFigureOut">
               <a:rPr lang="en-GB" smtClean="0"/>
-              <a:t>12/02/2025</a:t>
+              <a:t>13/02/2025</a:t>
             </a:fld>
             <a:endParaRPr lang="en-GB"/>
           </a:p>
@@ -5363,7 +5368,7 @@
           <a:p>
             <a:fld id="{99A83B17-14C1-41F4-867A-23A379B416F7}" type="datetimeFigureOut">
               <a:rPr lang="en-GB" smtClean="0"/>
-              <a:t>12/02/2025</a:t>
+              <a:t>13/02/2025</a:t>
             </a:fld>
             <a:endParaRPr lang="en-GB"/>
           </a:p>
@@ -5869,7 +5874,7 @@
           <a:p>
             <a:fld id="{99A83B17-14C1-41F4-867A-23A379B416F7}" type="datetimeFigureOut">
               <a:rPr lang="en-GB" smtClean="0"/>
-              <a:t>12/02/2025</a:t>
+              <a:t>13/02/2025</a:t>
             </a:fld>
             <a:endParaRPr lang="en-GB"/>
           </a:p>
@@ -6126,7 +6131,7 @@
           <a:p>
             <a:fld id="{99A83B17-14C1-41F4-867A-23A379B416F7}" type="datetimeFigureOut">
               <a:rPr lang="en-GB" smtClean="0"/>
-              <a:t>12/02/2025</a:t>
+              <a:t>13/02/2025</a:t>
             </a:fld>
             <a:endParaRPr lang="en-GB"/>
           </a:p>
@@ -6289,7 +6294,7 @@
           <a:p>
             <a:fld id="{99A83B17-14C1-41F4-867A-23A379B416F7}" type="datetimeFigureOut">
               <a:rPr lang="en-GB" smtClean="0"/>
-              <a:t>12/02/2025</a:t>
+              <a:t>13/02/2025</a:t>
             </a:fld>
             <a:endParaRPr lang="en-GB"/>
           </a:p>
@@ -6679,7 +6684,7 @@
           <a:p>
             <a:fld id="{99A83B17-14C1-41F4-867A-23A379B416F7}" type="datetimeFigureOut">
               <a:rPr lang="en-GB" smtClean="0"/>
-              <a:t>12/02/2025</a:t>
+              <a:t>13/02/2025</a:t>
             </a:fld>
             <a:endParaRPr lang="en-GB"/>
           </a:p>
@@ -7088,7 +7093,7 @@
           <a:p>
             <a:fld id="{99A83B17-14C1-41F4-867A-23A379B416F7}" type="datetimeFigureOut">
               <a:rPr lang="en-GB" smtClean="0"/>
-              <a:t>12/02/2025</a:t>
+              <a:t>13/02/2025</a:t>
             </a:fld>
             <a:endParaRPr lang="en-GB"/>
           </a:p>
@@ -7332,7 +7337,7 @@
           <a:p>
             <a:fld id="{99A83B17-14C1-41F4-867A-23A379B416F7}" type="datetimeFigureOut">
               <a:rPr lang="en-GB" smtClean="0"/>
-              <a:t>12/02/2025</a:t>
+              <a:t>13/02/2025</a:t>
             </a:fld>
             <a:endParaRPr lang="en-GB"/>
           </a:p>
@@ -7748,7 +7753,7 @@
           <p:cNvPr id="2" name="Title 1">
             <a:extLst>
               <a:ext uri="{FF2B5EF4-FFF2-40B4-BE49-F238E27FC236}">
-                <a16:creationId xmlns:a16="http://schemas.microsoft.com/office/drawing/2014/main" id="{E71DFB0D-D98A-A25F-6FFF-DE3AF55D7EE0}"/>
+                <a16:creationId xmlns:a16="http://schemas.microsoft.com/office/drawing/2014/main" id="{BFBF12AB-9048-86D6-ECF4-CF27E39D11C0}"/>
               </a:ext>
             </a:extLst>
           </p:cNvPr>
@@ -7766,61 +7771,43 @@
           <a:p>
             <a:r>
               <a:rPr lang="en-GB" dirty="0" err="1"/>
-              <a:t>Kfjbskjfn</a:t>
-            </a:r>
-            <a:r>
-              <a:rPr lang="en-GB" dirty="0"/>
-              <a:t> </a:t>
-            </a:r>
-            <a:r>
-              <a:rPr lang="en-GB" dirty="0" err="1"/>
-              <a:t>dsifgbdskjfbyu</a:t>
+              <a:t>kljfbnkjfbdsaufb</a:t>
             </a:r>
             <a:endParaRPr lang="en-GB" dirty="0"/>
           </a:p>
         </p:txBody>
       </p:sp>
-      <p:pic>
-        <p:nvPicPr>
-          <p:cNvPr id="6" name="Content Placeholder 5" descr="A group of pink and yellow flowers&#10;&#10;Description automatically generated">
+      <p:sp>
+        <p:nvSpPr>
+          <p:cNvPr id="3" name="Picture Placeholder 2">
             <a:extLst>
               <a:ext uri="{FF2B5EF4-FFF2-40B4-BE49-F238E27FC236}">
-                <a16:creationId xmlns:a16="http://schemas.microsoft.com/office/drawing/2014/main" id="{20513399-877C-455A-77DD-6E1C89D4C58B}"/>
+                <a16:creationId xmlns:a16="http://schemas.microsoft.com/office/drawing/2014/main" id="{13FC7EDF-FDD1-A583-0325-13960D7B0CA4}"/>
               </a:ext>
             </a:extLst>
           </p:cNvPr>
-          <p:cNvPicPr>
-            <a:picLocks noGrp="1" noChangeAspect="1"/>
-          </p:cNvPicPr>
-          <p:nvPr>
-            <p:ph idx="1"/>
-          </p:nvPr>
-        </p:nvPicPr>
-        <p:blipFill>
-          <a:blip r:embed="rId2">
-            <a:extLst>
-              <a:ext uri="{28A0092B-C50C-407E-A947-70E740481C1C}">
-                <a14:useLocalDpi xmlns:a14="http://schemas.microsoft.com/office/drawing/2010/main" val="0"/>
-              </a:ext>
-            </a:extLst>
-          </a:blip>
-          <a:stretch>
-            <a:fillRect/>
-          </a:stretch>
-        </p:blipFill>
-        <p:spPr>
-          <a:xfrm>
-            <a:off x="5691187" y="2336800"/>
-            <a:ext cx="3598863" cy="3598863"/>
-          </a:xfrm>
-        </p:spPr>
-      </p:pic>
+          <p:cNvSpPr>
+            <a:spLocks noGrp="1"/>
+          </p:cNvSpPr>
+          <p:nvPr>
+            <p:ph type="pic" idx="1"/>
+          </p:nvPr>
+        </p:nvSpPr>
+        <p:spPr/>
+        <p:txBody>
+          <a:bodyPr/>
+          <a:lstStyle/>
+          <a:p>
+            <a:endParaRPr lang="en-GB"/>
+          </a:p>
+        </p:txBody>
+      </p:sp>
       <p:sp>
         <p:nvSpPr>
           <p:cNvPr id="4" name="Text Placeholder 3">
             <a:extLst>
               <a:ext uri="{FF2B5EF4-FFF2-40B4-BE49-F238E27FC236}">
-                <a16:creationId xmlns:a16="http://schemas.microsoft.com/office/drawing/2014/main" id="{1E7B0877-47EC-26AA-0B1E-890ED86C2BF8}"/>
+                <a16:creationId xmlns:a16="http://schemas.microsoft.com/office/drawing/2014/main" id="{1E57CC56-5627-5D39-147A-AB720925254D}"/>
               </a:ext>
             </a:extLst>
           </p:cNvPr>
@@ -7837,25 +7824,16 @@
           <a:lstStyle/>
           <a:p>
             <a:r>
-              <a:rPr lang="en-GB" dirty="0" err="1"/>
-              <a:t>Uhjfbsjfb</a:t>
-            </a:r>
-            <a:r>
-              <a:rPr lang="en-GB" dirty="0"/>
-              <a:t> </a:t>
-            </a:r>
-            <a:r>
-              <a:rPr lang="en-GB" dirty="0" err="1"/>
-              <a:t>osubhjsvbuvbervfusjfjbsjohvbvesjmffbsjovhbskvbyusvhjsbvjhsvk</a:t>
-            </a:r>
-            <a:endParaRPr lang="en-GB" dirty="0"/>
+              <a:rPr lang="en-GB"/>
+              <a:t>kjsnfkjdbfkjdbskjfbdskjbfsjkfbdjkbfskj</a:t>
+            </a:r>
           </a:p>
         </p:txBody>
       </p:sp>
     </p:spTree>
     <p:extLst>
       <p:ext uri="{BB962C8B-B14F-4D97-AF65-F5344CB8AC3E}">
-        <p14:creationId xmlns:p14="http://schemas.microsoft.com/office/powerpoint/2010/main" val="3597774552"/>
+        <p14:creationId xmlns:p14="http://schemas.microsoft.com/office/powerpoint/2010/main" val="383611098"/>
       </p:ext>
     </p:extLst>
   </p:cSld>
